--- a/Eki_Presentation.pptx
+++ b/Eki_Presentation.pptx
@@ -7646,7 +7646,23 @@
           <a:bodyPr/>
           <a:lstStyle/>
           <a:p>
-            <a:endParaRPr lang="en-GB"/>
+            <a:r>
+              <a:rPr lang="en-GB" dirty="0"/>
+              <a:t>https://</a:t>
+            </a:r>
+            <a:r>
+              <a:rPr lang="en-GB" dirty="0" err="1"/>
+              <a:t>github.com</a:t>
+            </a:r>
+            <a:r>
+              <a:rPr lang="en-GB" dirty="0"/>
+              <a:t>/JoshLG18/</a:t>
+            </a:r>
+            <a:r>
+              <a:rPr lang="en-GB" dirty="0" err="1"/>
+              <a:t>Ekimetrics-CaseStudy</a:t>
+            </a:r>
+            <a:endParaRPr lang="en-GB" dirty="0"/>
           </a:p>
         </p:txBody>
       </p:sp>
